--- a/Cross Site Scripting.pptx
+++ b/Cross Site Scripting.pptx
@@ -10,6 +10,7 @@
     <p:sldId id="258" r:id="rId4"/>
     <p:sldId id="259" r:id="rId5"/>
     <p:sldId id="260" r:id="rId6"/>
+    <p:sldId id="261" r:id="rId7"/>
   </p:sldIdLst>
   <p:sldSz cx="12192000" cy="6858000"/>
   <p:notesSz cx="6858000" cy="9144000"/>
@@ -333,7 +334,7 @@
           <a:p>
             <a:fld id="{9AB3A824-1A51-4B26-AD58-A6D8E14F6C04}" type="datetimeFigureOut">
               <a:rPr lang="en-US" dirty="0"/>
-              <a:t>9/8/2018</a:t>
+              <a:t>9/11/2018</a:t>
             </a:fld>
             <a:endParaRPr lang="en-US" dirty="0"/>
           </a:p>
@@ -667,7 +668,7 @@
           <a:p>
             <a:fld id="{D857E33E-8B18-4087-B112-809917729534}" type="datetimeFigureOut">
               <a:rPr lang="en-US" dirty="0"/>
-              <a:t>9/8/2018</a:t>
+              <a:t>9/11/2018</a:t>
             </a:fld>
             <a:endParaRPr lang="en-US" dirty="0"/>
           </a:p>
@@ -969,7 +970,7 @@
           <a:p>
             <a:fld id="{D3FFE419-2371-464F-8239-3959401C3561}" type="datetimeFigureOut">
               <a:rPr lang="en-US" dirty="0"/>
-              <a:t>9/8/2018</a:t>
+              <a:t>9/11/2018</a:t>
             </a:fld>
             <a:endParaRPr lang="en-US" dirty="0"/>
           </a:p>
@@ -1216,7 +1217,7 @@
           <a:p>
             <a:fld id="{97D162C4-EDD9-4389-A98B-B87ECEA2A816}" type="datetimeFigureOut">
               <a:rPr lang="en-US" dirty="0"/>
-              <a:t>9/8/2018</a:t>
+              <a:t>9/11/2018</a:t>
             </a:fld>
             <a:endParaRPr lang="en-US" dirty="0"/>
           </a:p>
@@ -1623,7 +1624,7 @@
           <a:p>
             <a:fld id="{3E5059C3-6A89-4494-99FF-5A4D6FFD50EB}" type="datetimeFigureOut">
               <a:rPr lang="en-US" dirty="0"/>
-              <a:t>9/8/2018</a:t>
+              <a:t>9/11/2018</a:t>
             </a:fld>
             <a:endParaRPr lang="en-US" dirty="0"/>
           </a:p>
@@ -1937,7 +1938,7 @@
           <a:p>
             <a:fld id="{CA954B2F-12DE-47F5-8894-472B206D2E1E}" type="datetimeFigureOut">
               <a:rPr lang="en-US" dirty="0"/>
-              <a:t>9/8/2018</a:t>
+              <a:t>9/11/2018</a:t>
             </a:fld>
             <a:endParaRPr lang="en-US" dirty="0"/>
           </a:p>
@@ -2481,7 +2482,7 @@
           <a:p>
             <a:fld id="{3F30E46F-7819-4ACF-B48B-48222C2ACC88}" type="datetimeFigureOut">
               <a:rPr lang="en-US" dirty="0"/>
-              <a:t>9/8/2018</a:t>
+              <a:t>9/11/2018</a:t>
             </a:fld>
             <a:endParaRPr lang="en-US" dirty="0"/>
           </a:p>
@@ -2676,7 +2677,7 @@
           <a:p>
             <a:fld id="{1FAF3416-4057-4DAA-829D-4CA07428D088}" type="datetimeFigureOut">
               <a:rPr lang="en-US" dirty="0"/>
-              <a:t>9/8/2018</a:t>
+              <a:t>9/11/2018</a:t>
             </a:fld>
             <a:endParaRPr lang="en-US" dirty="0"/>
           </a:p>
@@ -2889,7 +2890,7 @@
           <a:p>
             <a:fld id="{921D9284-D300-4297-87F7-E791DCC15DB1}" type="datetimeFigureOut">
               <a:rPr lang="en-US" dirty="0"/>
-              <a:t>9/8/2018</a:t>
+              <a:t>9/11/2018</a:t>
             </a:fld>
             <a:endParaRPr lang="en-US" dirty="0"/>
           </a:p>
@@ -3258,7 +3259,7 @@
           <a:p>
             <a:fld id="{37D525BB-DA17-4BA0-B3C8-3AC3ABC827E6}" type="datetimeFigureOut">
               <a:rPr lang="en-US" dirty="0"/>
-              <a:t>9/8/2018</a:t>
+              <a:t>9/11/2018</a:t>
             </a:fld>
             <a:endParaRPr lang="en-US" dirty="0"/>
           </a:p>
@@ -3661,7 +3662,7 @@
           <a:p>
             <a:fld id="{B16C4C9A-3960-41CF-A4E9-2A8FB932454B}" type="datetimeFigureOut">
               <a:rPr lang="en-US" dirty="0"/>
-              <a:t>9/8/2018</a:t>
+              <a:t>9/11/2018</a:t>
             </a:fld>
             <a:endParaRPr lang="en-US" dirty="0"/>
           </a:p>
@@ -3999,7 +4000,7 @@
           <a:p>
             <a:fld id="{3CBC1C18-307B-4F68-A007-B5B542270E8D}" type="datetimeFigureOut">
               <a:rPr lang="en-US" dirty="0"/>
-              <a:t>9/8/2018</a:t>
+              <a:t>9/11/2018</a:t>
             </a:fld>
             <a:endParaRPr lang="en-US" dirty="0"/>
           </a:p>
@@ -4982,7 +4983,7 @@
         </p:blipFill>
         <p:spPr>
           <a:xfrm>
-            <a:off x="294454" y="745778"/>
+            <a:off x="328321" y="734489"/>
             <a:ext cx="10542880" cy="4804818"/>
           </a:xfrm>
           <a:prstGeom prst="rect">
@@ -5055,7 +5056,7 @@
         </p:blipFill>
         <p:spPr>
           <a:xfrm>
-            <a:off x="508943" y="2337963"/>
+            <a:off x="508943" y="2360541"/>
             <a:ext cx="10542880" cy="2431592"/>
           </a:xfrm>
           <a:prstGeom prst="rect">
@@ -5067,6 +5068,95 @@
     <p:extLst>
       <p:ext uri="{BB962C8B-B14F-4D97-AF65-F5344CB8AC3E}">
         <p14:creationId xmlns:p14="http://schemas.microsoft.com/office/powerpoint/2010/main" val="118762481"/>
+      </p:ext>
+    </p:extLst>
+  </p:cSld>
+  <p:clrMapOvr>
+    <a:masterClrMapping/>
+  </p:clrMapOvr>
+</p:sld>
+</file>
+
+<file path=ppt/slides/slide6.xml><?xml version="1.0" encoding="utf-8"?>
+<p:sld xmlns:a="http://schemas.openxmlformats.org/drawingml/2006/main" xmlns:r="http://schemas.openxmlformats.org/officeDocument/2006/relationships" xmlns:p="http://schemas.openxmlformats.org/presentationml/2006/main">
+  <p:cSld>
+    <p:spTree>
+      <p:nvGrpSpPr>
+        <p:cNvPr id="1" name=""/>
+        <p:cNvGrpSpPr/>
+        <p:nvPr/>
+      </p:nvGrpSpPr>
+      <p:grpSpPr>
+        <a:xfrm>
+          <a:off x="0" y="0"/>
+          <a:ext cx="0" cy="0"/>
+          <a:chOff x="0" y="0"/>
+          <a:chExt cx="0" cy="0"/>
+        </a:xfrm>
+      </p:grpSpPr>
+      <p:pic>
+        <p:nvPicPr>
+          <p:cNvPr id="3" name="Imagen 2"/>
+          <p:cNvPicPr>
+            <a:picLocks noChangeAspect="1"/>
+          </p:cNvPicPr>
+          <p:nvPr/>
+        </p:nvPicPr>
+        <p:blipFill>
+          <a:blip r:embed="rId2"/>
+          <a:stretch>
+            <a:fillRect/>
+          </a:stretch>
+        </p:blipFill>
+        <p:spPr>
+          <a:xfrm>
+            <a:off x="1952978" y="4380089"/>
+            <a:ext cx="6172200" cy="647700"/>
+          </a:xfrm>
+          <a:prstGeom prst="rect">
+            <a:avLst/>
+          </a:prstGeom>
+        </p:spPr>
+      </p:pic>
+      <p:sp>
+        <p:nvSpPr>
+          <p:cNvPr id="2" name="Título 1"/>
+          <p:cNvSpPr>
+            <a:spLocks noGrp="1"/>
+          </p:cNvSpPr>
+          <p:nvPr>
+            <p:ph type="title"/>
+          </p:nvPr>
+        </p:nvSpPr>
+        <p:spPr/>
+        <p:txBody>
+          <a:bodyPr/>
+          <a:lstStyle/>
+          <a:p>
+            <a:r>
+              <a:rPr lang="es-MX" dirty="0" smtClean="0"/>
+              <a:t>Contraseña valida para un </a:t>
+            </a:r>
+            <a:r>
+              <a:rPr lang="es-MX" dirty="0" err="1" smtClean="0"/>
+              <a:t>formurio</a:t>
+            </a:r>
+            <a:r>
+              <a:rPr lang="es-MX" dirty="0" smtClean="0"/>
+              <a:t> </a:t>
+            </a:r>
+            <a:r>
+              <a:rPr lang="es-MX" dirty="0" err="1" smtClean="0"/>
+              <a:t>hrmtlemklbs</a:t>
+            </a:r>
+            <a:endParaRPr lang="es-MX" dirty="0"/>
+          </a:p>
+        </p:txBody>
+      </p:sp>
+    </p:spTree>
+    <p:extLst>
+      <p:ext uri="{BB962C8B-B14F-4D97-AF65-F5344CB8AC3E}">
+        <p14:creationId xmlns:p14="http://schemas.microsoft.com/office/powerpoint/2010/main" val="3352137710"/>
       </p:ext>
     </p:extLst>
   </p:cSld>

--- a/Cross Site Scripting.pptx
+++ b/Cross Site Scripting.pptx
@@ -334,7 +334,7 @@
           <a:p>
             <a:fld id="{9AB3A824-1A51-4B26-AD58-A6D8E14F6C04}" type="datetimeFigureOut">
               <a:rPr lang="en-US" dirty="0"/>
-              <a:t>9/11/2018</a:t>
+              <a:t>9/12/2018</a:t>
             </a:fld>
             <a:endParaRPr lang="en-US" dirty="0"/>
           </a:p>
@@ -668,7 +668,7 @@
           <a:p>
             <a:fld id="{D857E33E-8B18-4087-B112-809917729534}" type="datetimeFigureOut">
               <a:rPr lang="en-US" dirty="0"/>
-              <a:t>9/11/2018</a:t>
+              <a:t>9/12/2018</a:t>
             </a:fld>
             <a:endParaRPr lang="en-US" dirty="0"/>
           </a:p>
@@ -970,7 +970,7 @@
           <a:p>
             <a:fld id="{D3FFE419-2371-464F-8239-3959401C3561}" type="datetimeFigureOut">
               <a:rPr lang="en-US" dirty="0"/>
-              <a:t>9/11/2018</a:t>
+              <a:t>9/12/2018</a:t>
             </a:fld>
             <a:endParaRPr lang="en-US" dirty="0"/>
           </a:p>
@@ -1217,7 +1217,7 @@
           <a:p>
             <a:fld id="{97D162C4-EDD9-4389-A98B-B87ECEA2A816}" type="datetimeFigureOut">
               <a:rPr lang="en-US" dirty="0"/>
-              <a:t>9/11/2018</a:t>
+              <a:t>9/12/2018</a:t>
             </a:fld>
             <a:endParaRPr lang="en-US" dirty="0"/>
           </a:p>
@@ -1624,7 +1624,7 @@
           <a:p>
             <a:fld id="{3E5059C3-6A89-4494-99FF-5A4D6FFD50EB}" type="datetimeFigureOut">
               <a:rPr lang="en-US" dirty="0"/>
-              <a:t>9/11/2018</a:t>
+              <a:t>9/12/2018</a:t>
             </a:fld>
             <a:endParaRPr lang="en-US" dirty="0"/>
           </a:p>
@@ -1938,7 +1938,7 @@
           <a:p>
             <a:fld id="{CA954B2F-12DE-47F5-8894-472B206D2E1E}" type="datetimeFigureOut">
               <a:rPr lang="en-US" dirty="0"/>
-              <a:t>9/11/2018</a:t>
+              <a:t>9/12/2018</a:t>
             </a:fld>
             <a:endParaRPr lang="en-US" dirty="0"/>
           </a:p>
@@ -2482,7 +2482,7 @@
           <a:p>
             <a:fld id="{3F30E46F-7819-4ACF-B48B-48222C2ACC88}" type="datetimeFigureOut">
               <a:rPr lang="en-US" dirty="0"/>
-              <a:t>9/11/2018</a:t>
+              <a:t>9/12/2018</a:t>
             </a:fld>
             <a:endParaRPr lang="en-US" dirty="0"/>
           </a:p>
@@ -2677,7 +2677,7 @@
           <a:p>
             <a:fld id="{1FAF3416-4057-4DAA-829D-4CA07428D088}" type="datetimeFigureOut">
               <a:rPr lang="en-US" dirty="0"/>
-              <a:t>9/11/2018</a:t>
+              <a:t>9/12/2018</a:t>
             </a:fld>
             <a:endParaRPr lang="en-US" dirty="0"/>
           </a:p>
@@ -2890,7 +2890,7 @@
           <a:p>
             <a:fld id="{921D9284-D300-4297-87F7-E791DCC15DB1}" type="datetimeFigureOut">
               <a:rPr lang="en-US" dirty="0"/>
-              <a:t>9/11/2018</a:t>
+              <a:t>9/12/2018</a:t>
             </a:fld>
             <a:endParaRPr lang="en-US" dirty="0"/>
           </a:p>
@@ -3259,7 +3259,7 @@
           <a:p>
             <a:fld id="{37D525BB-DA17-4BA0-B3C8-3AC3ABC827E6}" type="datetimeFigureOut">
               <a:rPr lang="en-US" dirty="0"/>
-              <a:t>9/11/2018</a:t>
+              <a:t>9/12/2018</a:t>
             </a:fld>
             <a:endParaRPr lang="en-US" dirty="0"/>
           </a:p>
@@ -3662,7 +3662,7 @@
           <a:p>
             <a:fld id="{B16C4C9A-3960-41CF-A4E9-2A8FB932454B}" type="datetimeFigureOut">
               <a:rPr lang="en-US" dirty="0"/>
-              <a:t>9/11/2018</a:t>
+              <a:t>9/12/2018</a:t>
             </a:fld>
             <a:endParaRPr lang="en-US" dirty="0"/>
           </a:p>
@@ -4000,7 +4000,7 @@
           <a:p>
             <a:fld id="{3CBC1C18-307B-4F68-A007-B5B542270E8D}" type="datetimeFigureOut">
               <a:rPr lang="en-US" dirty="0"/>
-              <a:t>9/11/2018</a:t>
+              <a:t>9/12/2018</a:t>
             </a:fld>
             <a:endParaRPr lang="en-US" dirty="0"/>
           </a:p>
@@ -5110,8 +5110,8 @@
         </p:blipFill>
         <p:spPr>
           <a:xfrm>
-            <a:off x="1952978" y="4380089"/>
-            <a:ext cx="6172200" cy="647700"/>
+            <a:off x="1309511" y="2528710"/>
+            <a:ext cx="8821272" cy="925689"/>
           </a:xfrm>
           <a:prstGeom prst="rect">
             <a:avLst/>
